--- a/src/d191010/kimtaewan/20191009_homework_김태완.pptx
+++ b/src/d191010/kimtaewan/20191009_homework_김태완.pptx
@@ -5156,7 +5156,334 @@
   <p:timing>
     <p:tnLst>
       <p:par>
-        <p:cTn id="1" dur="indefinite" restart="never" nodeType="tmRoot"/>
+        <p:cTn id="1" dur="indefinite" restart="never" nodeType="tmRoot">
+          <p:childTnLst>
+            <p:seq concurrent="1" nextAc="seek">
+              <p:cTn id="2" dur="indefinite" nodeType="mainSeq">
+                <p:childTnLst>
+                  <p:par>
+                    <p:cTn id="3" fill="hold">
+                      <p:stCondLst>
+                        <p:cond delay="indefinite"/>
+                      </p:stCondLst>
+                      <p:childTnLst>
+                        <p:par>
+                          <p:cTn id="4" fill="hold">
+                            <p:stCondLst>
+                              <p:cond delay="0"/>
+                            </p:stCondLst>
+                            <p:childTnLst>
+                              <p:par>
+                                <p:cTn id="5" presetID="10" presetClass="entr" presetSubtype="0" fill="hold" nodeType="clickEffect">
+                                  <p:stCondLst>
+                                    <p:cond delay="0"/>
+                                  </p:stCondLst>
+                                  <p:childTnLst>
+                                    <p:set>
+                                      <p:cBhvr>
+                                        <p:cTn id="6" dur="1" fill="hold">
+                                          <p:stCondLst>
+                                            <p:cond delay="0"/>
+                                          </p:stCondLst>
+                                        </p:cTn>
+                                        <p:tgtEl>
+                                          <p:spTgt spid="4"/>
+                                        </p:tgtEl>
+                                        <p:attrNameLst>
+                                          <p:attrName>style.visibility</p:attrName>
+                                        </p:attrNameLst>
+                                      </p:cBhvr>
+                                      <p:to>
+                                        <p:strVal val="visible"/>
+                                      </p:to>
+                                    </p:set>
+                                    <p:animEffect transition="in" filter="fade">
+                                      <p:cBhvr>
+                                        <p:cTn id="7" dur="500"/>
+                                        <p:tgtEl>
+                                          <p:spTgt spid="4"/>
+                                        </p:tgtEl>
+                                      </p:cBhvr>
+                                    </p:animEffect>
+                                  </p:childTnLst>
+                                </p:cTn>
+                              </p:par>
+                            </p:childTnLst>
+                          </p:cTn>
+                        </p:par>
+                      </p:childTnLst>
+                    </p:cTn>
+                  </p:par>
+                  <p:par>
+                    <p:cTn id="8" fill="hold">
+                      <p:stCondLst>
+                        <p:cond delay="indefinite"/>
+                      </p:stCondLst>
+                      <p:childTnLst>
+                        <p:par>
+                          <p:cTn id="9" fill="hold">
+                            <p:stCondLst>
+                              <p:cond delay="0"/>
+                            </p:stCondLst>
+                            <p:childTnLst>
+                              <p:par>
+                                <p:cTn id="10" presetID="42" presetClass="entr" presetSubtype="0" fill="hold" nodeType="clickEffect">
+                                  <p:stCondLst>
+                                    <p:cond delay="0"/>
+                                  </p:stCondLst>
+                                  <p:childTnLst>
+                                    <p:set>
+                                      <p:cBhvr>
+                                        <p:cTn id="11" dur="1" fill="hold">
+                                          <p:stCondLst>
+                                            <p:cond delay="0"/>
+                                          </p:stCondLst>
+                                        </p:cTn>
+                                        <p:tgtEl>
+                                          <p:spTgt spid="8"/>
+                                        </p:tgtEl>
+                                        <p:attrNameLst>
+                                          <p:attrName>style.visibility</p:attrName>
+                                        </p:attrNameLst>
+                                      </p:cBhvr>
+                                      <p:to>
+                                        <p:strVal val="visible"/>
+                                      </p:to>
+                                    </p:set>
+                                    <p:animEffect transition="in" filter="fade">
+                                      <p:cBhvr>
+                                        <p:cTn id="12" dur="1000"/>
+                                        <p:tgtEl>
+                                          <p:spTgt spid="8"/>
+                                        </p:tgtEl>
+                                      </p:cBhvr>
+                                    </p:animEffect>
+                                    <p:anim calcmode="lin" valueType="num">
+                                      <p:cBhvr>
+                                        <p:cTn id="13" dur="1000" fill="hold"/>
+                                        <p:tgtEl>
+                                          <p:spTgt spid="8"/>
+                                        </p:tgtEl>
+                                        <p:attrNameLst>
+                                          <p:attrName>ppt_x</p:attrName>
+                                        </p:attrNameLst>
+                                      </p:cBhvr>
+                                      <p:tavLst>
+                                        <p:tav tm="0">
+                                          <p:val>
+                                            <p:strVal val="#ppt_x"/>
+                                          </p:val>
+                                        </p:tav>
+                                        <p:tav tm="100000">
+                                          <p:val>
+                                            <p:strVal val="#ppt_x"/>
+                                          </p:val>
+                                        </p:tav>
+                                      </p:tavLst>
+                                    </p:anim>
+                                    <p:anim calcmode="lin" valueType="num">
+                                      <p:cBhvr>
+                                        <p:cTn id="14" dur="1000" fill="hold"/>
+                                        <p:tgtEl>
+                                          <p:spTgt spid="8"/>
+                                        </p:tgtEl>
+                                        <p:attrNameLst>
+                                          <p:attrName>ppt_y</p:attrName>
+                                        </p:attrNameLst>
+                                      </p:cBhvr>
+                                      <p:tavLst>
+                                        <p:tav tm="0">
+                                          <p:val>
+                                            <p:strVal val="#ppt_y+.1"/>
+                                          </p:val>
+                                        </p:tav>
+                                        <p:tav tm="100000">
+                                          <p:val>
+                                            <p:strVal val="#ppt_y"/>
+                                          </p:val>
+                                        </p:tav>
+                                      </p:tavLst>
+                                    </p:anim>
+                                  </p:childTnLst>
+                                </p:cTn>
+                              </p:par>
+                            </p:childTnLst>
+                          </p:cTn>
+                        </p:par>
+                      </p:childTnLst>
+                    </p:cTn>
+                  </p:par>
+                  <p:par>
+                    <p:cTn id="15" fill="hold">
+                      <p:stCondLst>
+                        <p:cond delay="indefinite"/>
+                      </p:stCondLst>
+                      <p:childTnLst>
+                        <p:par>
+                          <p:cTn id="16" fill="hold">
+                            <p:stCondLst>
+                              <p:cond delay="0"/>
+                            </p:stCondLst>
+                            <p:childTnLst>
+                              <p:par>
+                                <p:cTn id="17" presetID="10" presetClass="entr" presetSubtype="0" fill="hold" nodeType="clickEffect">
+                                  <p:stCondLst>
+                                    <p:cond delay="0"/>
+                                  </p:stCondLst>
+                                  <p:childTnLst>
+                                    <p:set>
+                                      <p:cBhvr>
+                                        <p:cTn id="18" dur="1" fill="hold">
+                                          <p:stCondLst>
+                                            <p:cond delay="0"/>
+                                          </p:stCondLst>
+                                        </p:cTn>
+                                        <p:tgtEl>
+                                          <p:spTgt spid="9"/>
+                                        </p:tgtEl>
+                                        <p:attrNameLst>
+                                          <p:attrName>style.visibility</p:attrName>
+                                        </p:attrNameLst>
+                                      </p:cBhvr>
+                                      <p:to>
+                                        <p:strVal val="visible"/>
+                                      </p:to>
+                                    </p:set>
+                                    <p:animEffect transition="in" filter="fade">
+                                      <p:cBhvr>
+                                        <p:cTn id="19" dur="500"/>
+                                        <p:tgtEl>
+                                          <p:spTgt spid="9"/>
+                                        </p:tgtEl>
+                                      </p:cBhvr>
+                                    </p:animEffect>
+                                  </p:childTnLst>
+                                </p:cTn>
+                              </p:par>
+                            </p:childTnLst>
+                          </p:cTn>
+                        </p:par>
+                      </p:childTnLst>
+                    </p:cTn>
+                  </p:par>
+                  <p:par>
+                    <p:cTn id="20" fill="hold">
+                      <p:stCondLst>
+                        <p:cond delay="indefinite"/>
+                      </p:stCondLst>
+                      <p:childTnLst>
+                        <p:par>
+                          <p:cTn id="21" fill="hold">
+                            <p:stCondLst>
+                              <p:cond delay="0"/>
+                            </p:stCondLst>
+                            <p:childTnLst>
+                              <p:par>
+                                <p:cTn id="22" presetID="42" presetClass="entr" presetSubtype="0" fill="hold" nodeType="clickEffect">
+                                  <p:stCondLst>
+                                    <p:cond delay="0"/>
+                                  </p:stCondLst>
+                                  <p:childTnLst>
+                                    <p:set>
+                                      <p:cBhvr>
+                                        <p:cTn id="23" dur="1" fill="hold">
+                                          <p:stCondLst>
+                                            <p:cond delay="0"/>
+                                          </p:stCondLst>
+                                        </p:cTn>
+                                        <p:tgtEl>
+                                          <p:spTgt spid="11"/>
+                                        </p:tgtEl>
+                                        <p:attrNameLst>
+                                          <p:attrName>style.visibility</p:attrName>
+                                        </p:attrNameLst>
+                                      </p:cBhvr>
+                                      <p:to>
+                                        <p:strVal val="visible"/>
+                                      </p:to>
+                                    </p:set>
+                                    <p:animEffect transition="in" filter="fade">
+                                      <p:cBhvr>
+                                        <p:cTn id="24" dur="1000"/>
+                                        <p:tgtEl>
+                                          <p:spTgt spid="11"/>
+                                        </p:tgtEl>
+                                      </p:cBhvr>
+                                    </p:animEffect>
+                                    <p:anim calcmode="lin" valueType="num">
+                                      <p:cBhvr>
+                                        <p:cTn id="25" dur="1000" fill="hold"/>
+                                        <p:tgtEl>
+                                          <p:spTgt spid="11"/>
+                                        </p:tgtEl>
+                                        <p:attrNameLst>
+                                          <p:attrName>ppt_x</p:attrName>
+                                        </p:attrNameLst>
+                                      </p:cBhvr>
+                                      <p:tavLst>
+                                        <p:tav tm="0">
+                                          <p:val>
+                                            <p:strVal val="#ppt_x"/>
+                                          </p:val>
+                                        </p:tav>
+                                        <p:tav tm="100000">
+                                          <p:val>
+                                            <p:strVal val="#ppt_x"/>
+                                          </p:val>
+                                        </p:tav>
+                                      </p:tavLst>
+                                    </p:anim>
+                                    <p:anim calcmode="lin" valueType="num">
+                                      <p:cBhvr>
+                                        <p:cTn id="26" dur="1000" fill="hold"/>
+                                        <p:tgtEl>
+                                          <p:spTgt spid="11"/>
+                                        </p:tgtEl>
+                                        <p:attrNameLst>
+                                          <p:attrName>ppt_y</p:attrName>
+                                        </p:attrNameLst>
+                                      </p:cBhvr>
+                                      <p:tavLst>
+                                        <p:tav tm="0">
+                                          <p:val>
+                                            <p:strVal val="#ppt_y+.1"/>
+                                          </p:val>
+                                        </p:tav>
+                                        <p:tav tm="100000">
+                                          <p:val>
+                                            <p:strVal val="#ppt_y"/>
+                                          </p:val>
+                                        </p:tav>
+                                      </p:tavLst>
+                                    </p:anim>
+                                  </p:childTnLst>
+                                </p:cTn>
+                              </p:par>
+                            </p:childTnLst>
+                          </p:cTn>
+                        </p:par>
+                      </p:childTnLst>
+                    </p:cTn>
+                  </p:par>
+                </p:childTnLst>
+              </p:cTn>
+              <p:prevCondLst>
+                <p:cond evt="onPrev" delay="0">
+                  <p:tgtEl>
+                    <p:sldTgt/>
+                  </p:tgtEl>
+                </p:cond>
+              </p:prevCondLst>
+              <p:nextCondLst>
+                <p:cond evt="onNext" delay="0">
+                  <p:tgtEl>
+                    <p:sldTgt/>
+                  </p:tgtEl>
+                </p:cond>
+              </p:nextCondLst>
+            </p:seq>
+          </p:childTnLst>
+        </p:cTn>
       </p:par>
     </p:tnLst>
   </p:timing>
